--- a/Executive_slides.pptx
+++ b/Executive_slides.pptx
@@ -5,13 +5,15 @@
     <p:sldMasterId id="2147483648" r:id="rId1"/>
   </p:sldMasterIdLst>
   <p:notesMasterIdLst>
-    <p:notesMasterId r:id="rId6"/>
+    <p:notesMasterId r:id="rId8"/>
   </p:notesMasterIdLst>
   <p:sldIdLst>
     <p:sldId id="257" r:id="rId2"/>
     <p:sldId id="258" r:id="rId3"/>
-    <p:sldId id="259" r:id="rId4"/>
-    <p:sldId id="256" r:id="rId5"/>
+    <p:sldId id="261" r:id="rId4"/>
+    <p:sldId id="259" r:id="rId5"/>
+    <p:sldId id="260" r:id="rId6"/>
+    <p:sldId id="256" r:id="rId7"/>
   </p:sldIdLst>
   <p:sldSz cx="12192000" cy="6858000"/>
   <p:notesSz cx="6858000" cy="9144000"/>
@@ -110,6 +112,11 @@
       </a:defRPr>
     </a:lvl9pPr>
   </p:defaultTextStyle>
+  <p:extLst>
+    <p:ext uri="{EFAFB233-063F-42B5-8137-9DF3F51BA10A}">
+      <p15:sldGuideLst xmlns:p15="http://schemas.microsoft.com/office/powerpoint/2012/main"/>
+    </p:ext>
+  </p:extLst>
 </p:presentation>
 </file>
 
@@ -195,7 +202,7 @@
           <a:p>
             <a:fld id="{5CC8EC23-5FCF-8F46-A1A8-3612A2073C6B}" type="datetimeFigureOut">
               <a:rPr lang="en-US" smtClean="0"/>
-              <a:t>9/4/20</a:t>
+              <a:t>9/6/20</a:t>
             </a:fld>
             <a:endParaRPr lang="en-US"/>
           </a:p>
@@ -578,7 +585,7 @@
           <a:p>
             <a:fld id="{CCBEFE1C-90C5-B94E-AFB1-B2947EFDEF27}" type="slidenum">
               <a:rPr lang="en-US" smtClean="0"/>
-              <a:t>3</a:t>
+              <a:t>4</a:t>
             </a:fld>
             <a:endParaRPr lang="en-US"/>
           </a:p>
@@ -744,7 +751,7 @@
           <a:p>
             <a:fld id="{0C4977D9-8031-9E48-A87A-13ED6632BB9E}" type="datetimeFigureOut">
               <a:rPr lang="en-US" smtClean="0"/>
-              <a:t>9/4/20</a:t>
+              <a:t>9/6/20</a:t>
             </a:fld>
             <a:endParaRPr lang="en-US"/>
           </a:p>
@@ -942,7 +949,7 @@
           <a:p>
             <a:fld id="{0C4977D9-8031-9E48-A87A-13ED6632BB9E}" type="datetimeFigureOut">
               <a:rPr lang="en-US" smtClean="0"/>
-              <a:t>9/4/20</a:t>
+              <a:t>9/6/20</a:t>
             </a:fld>
             <a:endParaRPr lang="en-US"/>
           </a:p>
@@ -1150,7 +1157,7 @@
           <a:p>
             <a:fld id="{0C4977D9-8031-9E48-A87A-13ED6632BB9E}" type="datetimeFigureOut">
               <a:rPr lang="en-US" smtClean="0"/>
-              <a:t>9/4/20</a:t>
+              <a:t>9/6/20</a:t>
             </a:fld>
             <a:endParaRPr lang="en-US"/>
           </a:p>
@@ -1348,7 +1355,7 @@
           <a:p>
             <a:fld id="{0C4977D9-8031-9E48-A87A-13ED6632BB9E}" type="datetimeFigureOut">
               <a:rPr lang="en-US" smtClean="0"/>
-              <a:t>9/4/20</a:t>
+              <a:t>9/6/20</a:t>
             </a:fld>
             <a:endParaRPr lang="en-US"/>
           </a:p>
@@ -1623,7 +1630,7 @@
           <a:p>
             <a:fld id="{0C4977D9-8031-9E48-A87A-13ED6632BB9E}" type="datetimeFigureOut">
               <a:rPr lang="en-US" smtClean="0"/>
-              <a:t>9/4/20</a:t>
+              <a:t>9/6/20</a:t>
             </a:fld>
             <a:endParaRPr lang="en-US"/>
           </a:p>
@@ -1888,7 +1895,7 @@
           <a:p>
             <a:fld id="{0C4977D9-8031-9E48-A87A-13ED6632BB9E}" type="datetimeFigureOut">
               <a:rPr lang="en-US" smtClean="0"/>
-              <a:t>9/4/20</a:t>
+              <a:t>9/6/20</a:t>
             </a:fld>
             <a:endParaRPr lang="en-US"/>
           </a:p>
@@ -2300,7 +2307,7 @@
           <a:p>
             <a:fld id="{0C4977D9-8031-9E48-A87A-13ED6632BB9E}" type="datetimeFigureOut">
               <a:rPr lang="en-US" smtClean="0"/>
-              <a:t>9/4/20</a:t>
+              <a:t>9/6/20</a:t>
             </a:fld>
             <a:endParaRPr lang="en-US"/>
           </a:p>
@@ -2441,7 +2448,7 @@
           <a:p>
             <a:fld id="{0C4977D9-8031-9E48-A87A-13ED6632BB9E}" type="datetimeFigureOut">
               <a:rPr lang="en-US" smtClean="0"/>
-              <a:t>9/4/20</a:t>
+              <a:t>9/6/20</a:t>
             </a:fld>
             <a:endParaRPr lang="en-US"/>
           </a:p>
@@ -2554,7 +2561,7 @@
           <a:p>
             <a:fld id="{0C4977D9-8031-9E48-A87A-13ED6632BB9E}" type="datetimeFigureOut">
               <a:rPr lang="en-US" smtClean="0"/>
-              <a:t>9/4/20</a:t>
+              <a:t>9/6/20</a:t>
             </a:fld>
             <a:endParaRPr lang="en-US"/>
           </a:p>
@@ -2865,7 +2872,7 @@
           <a:p>
             <a:fld id="{0C4977D9-8031-9E48-A87A-13ED6632BB9E}" type="datetimeFigureOut">
               <a:rPr lang="en-US" smtClean="0"/>
-              <a:t>9/4/20</a:t>
+              <a:t>9/6/20</a:t>
             </a:fld>
             <a:endParaRPr lang="en-US"/>
           </a:p>
@@ -3153,7 +3160,7 @@
           <a:p>
             <a:fld id="{0C4977D9-8031-9E48-A87A-13ED6632BB9E}" type="datetimeFigureOut">
               <a:rPr lang="en-US" smtClean="0"/>
-              <a:t>9/4/20</a:t>
+              <a:t>9/6/20</a:t>
             </a:fld>
             <a:endParaRPr lang="en-US"/>
           </a:p>
@@ -3394,7 +3401,7 @@
           <a:p>
             <a:fld id="{0C4977D9-8031-9E48-A87A-13ED6632BB9E}" type="datetimeFigureOut">
               <a:rPr lang="en-US" smtClean="0"/>
-              <a:t>9/4/20</a:t>
+              <a:t>9/6/20</a:t>
             </a:fld>
             <a:endParaRPr lang="en-US"/>
           </a:p>
@@ -4114,6 +4121,371 @@
           </a:p>
         </p:txBody>
       </p:sp>
+      <p:sp>
+        <p:nvSpPr>
+          <p:cNvPr id="3" name="Rectangle 2">
+            <a:extLst>
+              <a:ext uri="{FF2B5EF4-FFF2-40B4-BE49-F238E27FC236}">
+                <a16:creationId xmlns:a16="http://schemas.microsoft.com/office/drawing/2014/main" id="{04C8661F-FE50-AC40-B798-6888DE31ADBD}"/>
+              </a:ext>
+            </a:extLst>
+          </p:cNvPr>
+          <p:cNvSpPr/>
+          <p:nvPr/>
+        </p:nvSpPr>
+        <p:spPr>
+          <a:xfrm>
+            <a:off x="-1" y="1156576"/>
+            <a:ext cx="12488779" cy="5632311"/>
+          </a:xfrm>
+          <a:prstGeom prst="rect">
+            <a:avLst/>
+          </a:prstGeom>
+        </p:spPr>
+        <p:txBody>
+          <a:bodyPr wrap="square">
+            <a:spAutoFit/>
+          </a:bodyPr>
+          <a:lstStyle/>
+          <a:p>
+            <a:r>
+              <a:rPr lang="en-US" sz="2400" b="1" i="0" u="none" strike="noStrike" dirty="0">
+                <a:solidFill>
+                  <a:srgbClr val="333333"/>
+                </a:solidFill>
+                <a:effectLst/>
+                <a:latin typeface="Calibri" panose="020F0502020204030204" pitchFamily="34" charset="0"/>
+                <a:cs typeface="Calibri" panose="020F0502020204030204" pitchFamily="34" charset="0"/>
+              </a:rPr>
+              <a:t>The best we have in market, is 20-second system, which is not prediction, but physic-based from p-waves.</a:t>
+            </a:r>
+          </a:p>
+          <a:p>
+            <a:r>
+              <a:rPr lang="en-US" sz="2400" b="1" i="0" u="none" strike="noStrike" dirty="0">
+                <a:solidFill>
+                  <a:srgbClr val="333333"/>
+                </a:solidFill>
+                <a:effectLst/>
+                <a:latin typeface="Calibri" panose="020F0502020204030204" pitchFamily="34" charset="0"/>
+                <a:cs typeface="Calibri" panose="020F0502020204030204" pitchFamily="34" charset="0"/>
+              </a:rPr>
+              <a:t>Say that time-series of earthquake is not linear, it’s complicated.</a:t>
+            </a:r>
+          </a:p>
+          <a:p>
+            <a:r>
+              <a:rPr lang="en-US" sz="2400" b="1" i="0" u="none" strike="noStrike" dirty="0">
+                <a:solidFill>
+                  <a:srgbClr val="333333"/>
+                </a:solidFill>
+                <a:effectLst/>
+                <a:latin typeface="Calibri" panose="020F0502020204030204" pitchFamily="34" charset="0"/>
+                <a:cs typeface="Calibri" panose="020F0502020204030204" pitchFamily="34" charset="0"/>
+              </a:rPr>
+              <a:t>We need to look for different way of modeling.</a:t>
+            </a:r>
+          </a:p>
+          <a:p>
+            <a:r>
+              <a:rPr lang="en-US" sz="2400" b="1" dirty="0">
+                <a:solidFill>
+                  <a:srgbClr val="333333"/>
+                </a:solidFill>
+                <a:latin typeface="Calibri" panose="020F0502020204030204" pitchFamily="34" charset="0"/>
+                <a:cs typeface="Calibri" panose="020F0502020204030204" pitchFamily="34" charset="0"/>
+              </a:rPr>
+              <a:t>We look look into anomalies in time-series using deep-learning, but not enough data. So, better use domain knowledge.</a:t>
+            </a:r>
+            <a:endParaRPr lang="en-US" sz="2400" b="1" i="0" u="none" strike="noStrike" dirty="0">
+              <a:solidFill>
+                <a:srgbClr val="333333"/>
+              </a:solidFill>
+              <a:effectLst/>
+              <a:latin typeface="Calibri" panose="020F0502020204030204" pitchFamily="34" charset="0"/>
+              <a:cs typeface="Calibri" panose="020F0502020204030204" pitchFamily="34" charset="0"/>
+            </a:endParaRPr>
+          </a:p>
+          <a:p>
+            <a:r>
+              <a:rPr lang="en-US" sz="2400" b="1" dirty="0">
+                <a:solidFill>
+                  <a:srgbClr val="333333"/>
+                </a:solidFill>
+                <a:latin typeface="Calibri" panose="020F0502020204030204" pitchFamily="34" charset="0"/>
+                <a:cs typeface="Calibri" panose="020F0502020204030204" pitchFamily="34" charset="0"/>
+              </a:rPr>
+              <a:t>I picked san </a:t>
+            </a:r>
+            <a:r>
+              <a:rPr lang="en-US" sz="2400" b="1" dirty="0" err="1">
+                <a:solidFill>
+                  <a:srgbClr val="333333"/>
+                </a:solidFill>
+                <a:latin typeface="Calibri" panose="020F0502020204030204" pitchFamily="34" charset="0"/>
+                <a:cs typeface="Calibri" panose="020F0502020204030204" pitchFamily="34" charset="0"/>
+              </a:rPr>
+              <a:t>andreas</a:t>
+            </a:r>
+            <a:r>
+              <a:rPr lang="en-US" sz="2400" b="1" dirty="0">
+                <a:solidFill>
+                  <a:srgbClr val="333333"/>
+                </a:solidFill>
+                <a:latin typeface="Calibri" panose="020F0502020204030204" pitchFamily="34" charset="0"/>
+                <a:cs typeface="Calibri" panose="020F0502020204030204" pitchFamily="34" charset="0"/>
+              </a:rPr>
+              <a:t> fault, as California is necessary </a:t>
+            </a:r>
+          </a:p>
+          <a:p>
+            <a:r>
+              <a:rPr lang="en-US" sz="2400" b="1" i="0" u="none" strike="noStrike" dirty="0">
+                <a:solidFill>
+                  <a:srgbClr val="333333"/>
+                </a:solidFill>
+                <a:effectLst/>
+                <a:latin typeface="Calibri" panose="020F0502020204030204" pitchFamily="34" charset="0"/>
+                <a:cs typeface="Calibri" panose="020F0502020204030204" pitchFamily="34" charset="0"/>
+              </a:rPr>
+              <a:t>Picked only data points from this fault to make a focused dataset.</a:t>
+            </a:r>
+          </a:p>
+          <a:p>
+            <a:r>
+              <a:rPr lang="en-US" sz="2400" b="1" dirty="0">
+                <a:solidFill>
+                  <a:srgbClr val="333333"/>
+                </a:solidFill>
+                <a:latin typeface="Calibri" panose="020F0502020204030204" pitchFamily="34" charset="0"/>
+                <a:cs typeface="Calibri" panose="020F0502020204030204" pitchFamily="34" charset="0"/>
+              </a:rPr>
+              <a:t>Loma </a:t>
+            </a:r>
+            <a:r>
+              <a:rPr lang="en-US" sz="2400" b="1" dirty="0" err="1">
+                <a:solidFill>
+                  <a:srgbClr val="333333"/>
+                </a:solidFill>
+                <a:latin typeface="Calibri" panose="020F0502020204030204" pitchFamily="34" charset="0"/>
+                <a:cs typeface="Calibri" panose="020F0502020204030204" pitchFamily="34" charset="0"/>
+              </a:rPr>
+              <a:t>Prieta</a:t>
+            </a:r>
+            <a:r>
+              <a:rPr lang="en-US" sz="2400" b="1" dirty="0">
+                <a:solidFill>
+                  <a:srgbClr val="333333"/>
+                </a:solidFill>
+                <a:latin typeface="Calibri" panose="020F0502020204030204" pitchFamily="34" charset="0"/>
+                <a:cs typeface="Calibri" panose="020F0502020204030204" pitchFamily="34" charset="0"/>
+              </a:rPr>
+              <a:t> and </a:t>
+            </a:r>
+            <a:r>
+              <a:rPr lang="en-US" sz="2400" b="1" dirty="0" err="1">
+                <a:solidFill>
+                  <a:srgbClr val="333333"/>
+                </a:solidFill>
+                <a:latin typeface="Calibri" panose="020F0502020204030204" pitchFamily="34" charset="0"/>
+                <a:cs typeface="Calibri" panose="020F0502020204030204" pitchFamily="34" charset="0"/>
+              </a:rPr>
+              <a:t>parkfield</a:t>
+            </a:r>
+            <a:r>
+              <a:rPr lang="en-US" sz="2400" b="1" dirty="0">
+                <a:solidFill>
+                  <a:srgbClr val="333333"/>
+                </a:solidFill>
+                <a:latin typeface="Calibri" panose="020F0502020204030204" pitchFamily="34" charset="0"/>
+                <a:cs typeface="Calibri" panose="020F0502020204030204" pitchFamily="34" charset="0"/>
+              </a:rPr>
+              <a:t>, which was not expected based on our physical understanding.</a:t>
+            </a:r>
+          </a:p>
+          <a:p>
+            <a:r>
+              <a:rPr lang="en-US" sz="2400" b="1" i="0" u="none" strike="noStrike" dirty="0">
+                <a:solidFill>
+                  <a:srgbClr val="333333"/>
+                </a:solidFill>
+                <a:effectLst/>
+                <a:latin typeface="Calibri" panose="020F0502020204030204" pitchFamily="34" charset="0"/>
+                <a:cs typeface="Calibri" panose="020F0502020204030204" pitchFamily="34" charset="0"/>
+              </a:rPr>
+              <a:t>Show th</a:t>
+            </a:r>
+            <a:r>
+              <a:rPr lang="en-US" sz="2400" b="1" dirty="0">
+                <a:solidFill>
+                  <a:srgbClr val="333333"/>
+                </a:solidFill>
+                <a:latin typeface="Calibri" panose="020F0502020204030204" pitchFamily="34" charset="0"/>
+                <a:cs typeface="Calibri" panose="020F0502020204030204" pitchFamily="34" charset="0"/>
+              </a:rPr>
+              <a:t>e link and show the </a:t>
+            </a:r>
+            <a:r>
+              <a:rPr lang="en-US" sz="2400" b="1" dirty="0" err="1">
+                <a:solidFill>
+                  <a:srgbClr val="333333"/>
+                </a:solidFill>
+                <a:latin typeface="Calibri" panose="020F0502020204030204" pitchFamily="34" charset="0"/>
+                <a:cs typeface="Calibri" panose="020F0502020204030204" pitchFamily="34" charset="0"/>
+              </a:rPr>
+              <a:t>gmap</a:t>
+            </a:r>
+            <a:r>
+              <a:rPr lang="en-US" sz="2400" b="1" dirty="0">
+                <a:solidFill>
+                  <a:srgbClr val="333333"/>
+                </a:solidFill>
+                <a:latin typeface="Calibri" panose="020F0502020204030204" pitchFamily="34" charset="0"/>
+                <a:cs typeface="Calibri" panose="020F0502020204030204" pitchFamily="34" charset="0"/>
+              </a:rPr>
+              <a:t> data</a:t>
+            </a:r>
+          </a:p>
+          <a:p>
+            <a:r>
+              <a:rPr lang="en-US" sz="2400" b="1" dirty="0">
+                <a:solidFill>
+                  <a:srgbClr val="333333"/>
+                </a:solidFill>
+                <a:latin typeface="Calibri" panose="020F0502020204030204" pitchFamily="34" charset="0"/>
+                <a:cs typeface="Calibri" panose="020F0502020204030204" pitchFamily="34" charset="0"/>
+              </a:rPr>
+              <a:t>Back to data, when earthquake happens, the long-</a:t>
+            </a:r>
+            <a:r>
+              <a:rPr lang="en-US" sz="2400" b="1" dirty="0" err="1">
+                <a:solidFill>
+                  <a:srgbClr val="333333"/>
+                </a:solidFill>
+                <a:latin typeface="Calibri" panose="020F0502020204030204" pitchFamily="34" charset="0"/>
+                <a:cs typeface="Calibri" panose="020F0502020204030204" pitchFamily="34" charset="0"/>
+              </a:rPr>
+              <a:t>lat</a:t>
+            </a:r>
+            <a:r>
+              <a:rPr lang="en-US" sz="2400" b="1" dirty="0">
+                <a:solidFill>
+                  <a:srgbClr val="333333"/>
+                </a:solidFill>
+                <a:latin typeface="Calibri" panose="020F0502020204030204" pitchFamily="34" charset="0"/>
+                <a:cs typeface="Calibri" panose="020F0502020204030204" pitchFamily="34" charset="0"/>
+              </a:rPr>
+              <a:t> concentrates but depth not</a:t>
+            </a:r>
+          </a:p>
+          <a:p>
+            <a:r>
+              <a:rPr lang="en-US" sz="2400" b="1" i="0" u="none" strike="noStrike" dirty="0">
+                <a:solidFill>
+                  <a:srgbClr val="333333"/>
+                </a:solidFill>
+                <a:effectLst/>
+                <a:latin typeface="Calibri" panose="020F0502020204030204" pitchFamily="34" charset="0"/>
+                <a:cs typeface="Calibri" panose="020F0502020204030204" pitchFamily="34" charset="0"/>
+              </a:rPr>
+              <a:t>So, let’s use unsupervised clustering (DBSCAN) to define some features, and see when things cluster leading to main earthquake.</a:t>
+            </a:r>
+          </a:p>
+          <a:p>
+            <a:r>
+              <a:rPr lang="en-US" sz="2400" b="1" dirty="0" err="1">
+                <a:solidFill>
+                  <a:srgbClr val="333333"/>
+                </a:solidFill>
+                <a:latin typeface="Calibri" panose="020F0502020204030204" pitchFamily="34" charset="0"/>
+                <a:cs typeface="Calibri" panose="020F0502020204030204" pitchFamily="34" charset="0"/>
+              </a:rPr>
+              <a:t>Sho</a:t>
+            </a:r>
+            <a:r>
+              <a:rPr lang="en-US" sz="2400" b="1" dirty="0">
+                <a:solidFill>
+                  <a:srgbClr val="333333"/>
+                </a:solidFill>
+                <a:latin typeface="Calibri" panose="020F0502020204030204" pitchFamily="34" charset="0"/>
+                <a:cs typeface="Calibri" panose="020F0502020204030204" pitchFamily="34" charset="0"/>
+              </a:rPr>
+              <a:t> how clustering evolves towards failure for </a:t>
+            </a:r>
+            <a:r>
+              <a:rPr lang="en-US" sz="2400" b="1" dirty="0" err="1">
+                <a:solidFill>
+                  <a:srgbClr val="333333"/>
+                </a:solidFill>
+                <a:latin typeface="Calibri" panose="020F0502020204030204" pitchFamily="34" charset="0"/>
+                <a:cs typeface="Calibri" panose="020F0502020204030204" pitchFamily="34" charset="0"/>
+              </a:rPr>
+              <a:t>loma</a:t>
+            </a:r>
+            <a:r>
+              <a:rPr lang="en-US" sz="2400" b="1" dirty="0">
+                <a:solidFill>
+                  <a:srgbClr val="333333"/>
+                </a:solidFill>
+                <a:latin typeface="Calibri" panose="020F0502020204030204" pitchFamily="34" charset="0"/>
+                <a:cs typeface="Calibri" panose="020F0502020204030204" pitchFamily="34" charset="0"/>
+              </a:rPr>
+              <a:t> </a:t>
+            </a:r>
+            <a:r>
+              <a:rPr lang="en-US" sz="2400" b="1" dirty="0" err="1">
+                <a:solidFill>
+                  <a:srgbClr val="333333"/>
+                </a:solidFill>
+                <a:latin typeface="Calibri" panose="020F0502020204030204" pitchFamily="34" charset="0"/>
+                <a:cs typeface="Calibri" panose="020F0502020204030204" pitchFamily="34" charset="0"/>
+              </a:rPr>
+              <a:t>prieta</a:t>
+            </a:r>
+            <a:r>
+              <a:rPr lang="en-US" sz="2400" b="1" dirty="0">
+                <a:solidFill>
+                  <a:srgbClr val="333333"/>
+                </a:solidFill>
+                <a:latin typeface="Calibri" panose="020F0502020204030204" pitchFamily="34" charset="0"/>
+                <a:cs typeface="Calibri" panose="020F0502020204030204" pitchFamily="34" charset="0"/>
+              </a:rPr>
+              <a:t> as training.</a:t>
+            </a:r>
+          </a:p>
+          <a:p>
+            <a:r>
+              <a:rPr lang="en-US" sz="2400" b="1" i="0" u="none" strike="noStrike" dirty="0">
+                <a:solidFill>
+                  <a:srgbClr val="333333"/>
+                </a:solidFill>
+                <a:effectLst/>
+                <a:latin typeface="Calibri" panose="020F0502020204030204" pitchFamily="34" charset="0"/>
+                <a:cs typeface="Calibri" panose="020F0502020204030204" pitchFamily="34" charset="0"/>
+              </a:rPr>
+              <a:t>And, </a:t>
+            </a:r>
+            <a:r>
+              <a:rPr lang="en-US" sz="2400" b="1" dirty="0">
+                <a:solidFill>
+                  <a:srgbClr val="333333"/>
+                </a:solidFill>
+                <a:latin typeface="Calibri" panose="020F0502020204030204" pitchFamily="34" charset="0"/>
+                <a:cs typeface="Calibri" panose="020F0502020204030204" pitchFamily="34" charset="0"/>
+              </a:rPr>
+              <a:t>the fact that these can introduce the non-linearity that we were looking for.</a:t>
+            </a:r>
+            <a:endParaRPr lang="en-US" sz="2400" b="1" i="0" u="none" strike="noStrike" dirty="0">
+              <a:solidFill>
+                <a:srgbClr val="333333"/>
+              </a:solidFill>
+              <a:effectLst/>
+              <a:latin typeface="Calibri" panose="020F0502020204030204" pitchFamily="34" charset="0"/>
+              <a:cs typeface="Calibri" panose="020F0502020204030204" pitchFamily="34" charset="0"/>
+            </a:endParaRPr>
+          </a:p>
+        </p:txBody>
+      </p:sp>
     </p:spTree>
     <p:extLst>
       <p:ext uri="{BB962C8B-B14F-4D97-AF65-F5344CB8AC3E}">
@@ -4128,6 +4500,185 @@
 </file>
 
 <file path=ppt/slides/slide3.xml><?xml version="1.0" encoding="utf-8"?>
+<p:sld xmlns:a="http://schemas.openxmlformats.org/drawingml/2006/main" xmlns:r="http://schemas.openxmlformats.org/officeDocument/2006/relationships" xmlns:p="http://schemas.openxmlformats.org/presentationml/2006/main">
+  <p:cSld>
+    <p:spTree>
+      <p:nvGrpSpPr>
+        <p:cNvPr id="1" name=""/>
+        <p:cNvGrpSpPr/>
+        <p:nvPr/>
+      </p:nvGrpSpPr>
+      <p:grpSpPr>
+        <a:xfrm>
+          <a:off x="0" y="0"/>
+          <a:ext cx="0" cy="0"/>
+          <a:chOff x="0" y="0"/>
+          <a:chExt cx="0" cy="0"/>
+        </a:xfrm>
+      </p:grpSpPr>
+      <p:sp>
+        <p:nvSpPr>
+          <p:cNvPr id="4" name="Rectangle 3">
+            <a:extLst>
+              <a:ext uri="{FF2B5EF4-FFF2-40B4-BE49-F238E27FC236}">
+                <a16:creationId xmlns:a16="http://schemas.microsoft.com/office/drawing/2014/main" id="{B53B6D5B-EAD4-4448-9281-D7AADB87DE13}"/>
+              </a:ext>
+            </a:extLst>
+          </p:cNvPr>
+          <p:cNvSpPr/>
+          <p:nvPr/>
+        </p:nvSpPr>
+        <p:spPr>
+          <a:xfrm>
+            <a:off x="0" y="89776"/>
+            <a:ext cx="9765792" cy="584775"/>
+          </a:xfrm>
+          <a:prstGeom prst="rect">
+            <a:avLst/>
+          </a:prstGeom>
+        </p:spPr>
+        <p:txBody>
+          <a:bodyPr wrap="square">
+            <a:spAutoFit/>
+          </a:bodyPr>
+          <a:lstStyle/>
+          <a:p>
+            <a:r>
+              <a:rPr lang="en-US" sz="3200" b="1" i="0" u="none" strike="noStrike" dirty="0">
+                <a:solidFill>
+                  <a:srgbClr val="333333"/>
+                </a:solidFill>
+                <a:effectLst/>
+                <a:latin typeface="Calibri" panose="020F0502020204030204" pitchFamily="34" charset="0"/>
+                <a:cs typeface="Calibri" panose="020F0502020204030204" pitchFamily="34" charset="0"/>
+              </a:rPr>
+              <a:t>Natural disasters and our current understanding</a:t>
+            </a:r>
+          </a:p>
+        </p:txBody>
+      </p:sp>
+      <p:sp>
+        <p:nvSpPr>
+          <p:cNvPr id="3" name="Rectangle 2">
+            <a:extLst>
+              <a:ext uri="{FF2B5EF4-FFF2-40B4-BE49-F238E27FC236}">
+                <a16:creationId xmlns:a16="http://schemas.microsoft.com/office/drawing/2014/main" id="{04C8661F-FE50-AC40-B798-6888DE31ADBD}"/>
+              </a:ext>
+            </a:extLst>
+          </p:cNvPr>
+          <p:cNvSpPr/>
+          <p:nvPr/>
+        </p:nvSpPr>
+        <p:spPr>
+          <a:xfrm>
+            <a:off x="-1" y="1156576"/>
+            <a:ext cx="12368463" cy="2308324"/>
+          </a:xfrm>
+          <a:prstGeom prst="rect">
+            <a:avLst/>
+          </a:prstGeom>
+        </p:spPr>
+        <p:txBody>
+          <a:bodyPr wrap="square">
+            <a:spAutoFit/>
+          </a:bodyPr>
+          <a:lstStyle/>
+          <a:p>
+            <a:r>
+              <a:rPr lang="en-US" sz="2400" b="1" i="0" u="none" strike="noStrike" dirty="0">
+                <a:solidFill>
+                  <a:srgbClr val="333333"/>
+                </a:solidFill>
+                <a:effectLst/>
+                <a:latin typeface="Calibri" panose="020F0502020204030204" pitchFamily="34" charset="0"/>
+                <a:cs typeface="Calibri" panose="020F0502020204030204" pitchFamily="34" charset="0"/>
+              </a:rPr>
+              <a:t>So, let's take this model into test dataset, which is </a:t>
+            </a:r>
+            <a:r>
+              <a:rPr lang="en-US" sz="2400" b="1" i="0" u="none" strike="noStrike" dirty="0" err="1">
+                <a:solidFill>
+                  <a:srgbClr val="333333"/>
+                </a:solidFill>
+                <a:effectLst/>
+                <a:latin typeface="Calibri" panose="020F0502020204030204" pitchFamily="34" charset="0"/>
+                <a:cs typeface="Calibri" panose="020F0502020204030204" pitchFamily="34" charset="0"/>
+              </a:rPr>
+              <a:t>parkfield</a:t>
+            </a:r>
+            <a:r>
+              <a:rPr lang="en-US" sz="2400" b="1" i="0" u="none" strike="noStrike" dirty="0">
+                <a:solidFill>
+                  <a:srgbClr val="333333"/>
+                </a:solidFill>
+                <a:effectLst/>
+                <a:latin typeface="Calibri" panose="020F0502020204030204" pitchFamily="34" charset="0"/>
+                <a:cs typeface="Calibri" panose="020F0502020204030204" pitchFamily="34" charset="0"/>
+              </a:rPr>
+              <a:t>.</a:t>
+            </a:r>
+          </a:p>
+          <a:p>
+            <a:r>
+              <a:rPr lang="en-US" sz="2400" b="1" dirty="0">
+                <a:solidFill>
+                  <a:srgbClr val="333333"/>
+                </a:solidFill>
+                <a:latin typeface="Calibri" panose="020F0502020204030204" pitchFamily="34" charset="0"/>
+                <a:cs typeface="Calibri" panose="020F0502020204030204" pitchFamily="34" charset="0"/>
+              </a:rPr>
+              <a:t>We are now looking beyond this fault system, and maybe in the future with enough data we can apply deep learning methods.</a:t>
+            </a:r>
+          </a:p>
+          <a:p>
+            <a:r>
+              <a:rPr lang="en-US" sz="2400" b="1" i="0" u="none" strike="noStrike" dirty="0">
+                <a:solidFill>
+                  <a:srgbClr val="333333"/>
+                </a:solidFill>
+                <a:effectLst/>
+                <a:latin typeface="Calibri" panose="020F0502020204030204" pitchFamily="34" charset="0"/>
+                <a:cs typeface="Calibri" panose="020F0502020204030204" pitchFamily="34" charset="0"/>
+              </a:rPr>
+              <a:t>Then, show the last 10 days of California earthquakes, and apply clustering and see whether we expect earthquakes. If not, we can use this model as 10-dya forecast thing.</a:t>
+            </a:r>
+          </a:p>
+          <a:p>
+            <a:r>
+              <a:rPr lang="en-US" sz="2400" b="1" dirty="0">
+                <a:solidFill>
+                  <a:srgbClr val="333333"/>
+                </a:solidFill>
+                <a:latin typeface="Calibri" panose="020F0502020204030204" pitchFamily="34" charset="0"/>
+                <a:cs typeface="Calibri" panose="020F0502020204030204" pitchFamily="34" charset="0"/>
+              </a:rPr>
+              <a:t>Finally, show the fun-fact.</a:t>
+            </a:r>
+            <a:endParaRPr lang="en-US" sz="2400" b="1" i="0" u="none" strike="noStrike" dirty="0">
+              <a:solidFill>
+                <a:srgbClr val="333333"/>
+              </a:solidFill>
+              <a:effectLst/>
+              <a:latin typeface="Calibri" panose="020F0502020204030204" pitchFamily="34" charset="0"/>
+              <a:cs typeface="Calibri" panose="020F0502020204030204" pitchFamily="34" charset="0"/>
+            </a:endParaRPr>
+          </a:p>
+        </p:txBody>
+      </p:sp>
+    </p:spTree>
+    <p:extLst>
+      <p:ext uri="{BB962C8B-B14F-4D97-AF65-F5344CB8AC3E}">
+        <p14:creationId xmlns:p14="http://schemas.microsoft.com/office/powerpoint/2010/main" val="1680441310"/>
+      </p:ext>
+    </p:extLst>
+  </p:cSld>
+  <p:clrMapOvr>
+    <a:masterClrMapping/>
+  </p:clrMapOvr>
+</p:sld>
+</file>
+
+<file path=ppt/slides/slide4.xml><?xml version="1.0" encoding="utf-8"?>
 <p:sld xmlns:a="http://schemas.openxmlformats.org/drawingml/2006/main" xmlns:r="http://schemas.openxmlformats.org/officeDocument/2006/relationships" xmlns:p="http://schemas.openxmlformats.org/presentationml/2006/main">
   <p:cSld>
     <p:spTree>
@@ -4369,7 +4920,167 @@
 </p:sld>
 </file>
 
-<file path=ppt/slides/slide4.xml><?xml version="1.0" encoding="utf-8"?>
+<file path=ppt/slides/slide5.xml><?xml version="1.0" encoding="utf-8"?>
+<p:sld xmlns:a="http://schemas.openxmlformats.org/drawingml/2006/main" xmlns:r="http://schemas.openxmlformats.org/officeDocument/2006/relationships" xmlns:p="http://schemas.openxmlformats.org/presentationml/2006/main">
+  <p:cSld>
+    <p:spTree>
+      <p:nvGrpSpPr>
+        <p:cNvPr id="1" name=""/>
+        <p:cNvGrpSpPr/>
+        <p:nvPr/>
+      </p:nvGrpSpPr>
+      <p:grpSpPr>
+        <a:xfrm>
+          <a:off x="0" y="0"/>
+          <a:ext cx="0" cy="0"/>
+          <a:chOff x="0" y="0"/>
+          <a:chExt cx="0" cy="0"/>
+        </a:xfrm>
+      </p:grpSpPr>
+      <p:pic>
+        <p:nvPicPr>
+          <p:cNvPr id="4" name="Content Placeholder 3">
+            <a:extLst>
+              <a:ext uri="{FF2B5EF4-FFF2-40B4-BE49-F238E27FC236}">
+                <a16:creationId xmlns:a16="http://schemas.microsoft.com/office/drawing/2014/main" id="{688AE328-7411-1443-A155-206AFBE8BE84}"/>
+              </a:ext>
+            </a:extLst>
+          </p:cNvPr>
+          <p:cNvPicPr>
+            <a:picLocks noGrp="1" noChangeAspect="1"/>
+          </p:cNvPicPr>
+          <p:nvPr>
+            <p:ph idx="1"/>
+          </p:nvPr>
+        </p:nvPicPr>
+        <p:blipFill>
+          <a:blip r:embed="rId2"/>
+          <a:stretch>
+            <a:fillRect/>
+          </a:stretch>
+        </p:blipFill>
+        <p:spPr>
+          <a:xfrm>
+            <a:off x="549290" y="1786549"/>
+            <a:ext cx="4692619" cy="4351338"/>
+          </a:xfrm>
+        </p:spPr>
+      </p:pic>
+      <p:sp>
+        <p:nvSpPr>
+          <p:cNvPr id="5" name="Rectangle 4">
+            <a:extLst>
+              <a:ext uri="{FF2B5EF4-FFF2-40B4-BE49-F238E27FC236}">
+                <a16:creationId xmlns:a16="http://schemas.microsoft.com/office/drawing/2014/main" id="{99D25F3C-F9EC-384F-8CF1-F139EB9B5C9E}"/>
+              </a:ext>
+            </a:extLst>
+          </p:cNvPr>
+          <p:cNvSpPr/>
+          <p:nvPr/>
+        </p:nvSpPr>
+        <p:spPr>
+          <a:xfrm>
+            <a:off x="0" y="89776"/>
+            <a:ext cx="9765792" cy="584775"/>
+          </a:xfrm>
+          <a:prstGeom prst="rect">
+            <a:avLst/>
+          </a:prstGeom>
+        </p:spPr>
+        <p:txBody>
+          <a:bodyPr wrap="square">
+            <a:spAutoFit/>
+          </a:bodyPr>
+          <a:lstStyle/>
+          <a:p>
+            <a:r>
+              <a:rPr lang="en-US" sz="3200" b="1" i="0" u="none" strike="noStrike" dirty="0">
+                <a:solidFill>
+                  <a:srgbClr val="333333"/>
+                </a:solidFill>
+                <a:effectLst/>
+                <a:latin typeface="Calibri" panose="020F0502020204030204" pitchFamily="34" charset="0"/>
+                <a:cs typeface="Calibri" panose="020F0502020204030204" pitchFamily="34" charset="0"/>
+              </a:rPr>
+              <a:t>San Andreas fault: Where Californians are susceptible.</a:t>
+            </a:r>
+          </a:p>
+        </p:txBody>
+      </p:sp>
+      <p:pic>
+        <p:nvPicPr>
+          <p:cNvPr id="6" name="Picture 5">
+            <a:extLst>
+              <a:ext uri="{FF2B5EF4-FFF2-40B4-BE49-F238E27FC236}">
+                <a16:creationId xmlns:a16="http://schemas.microsoft.com/office/drawing/2014/main" id="{B45E7CD0-F0A3-F441-B46E-1CD57A22789A}"/>
+              </a:ext>
+            </a:extLst>
+          </p:cNvPr>
+          <p:cNvPicPr>
+            <a:picLocks noChangeAspect="1"/>
+          </p:cNvPicPr>
+          <p:nvPr/>
+        </p:nvPicPr>
+        <p:blipFill>
+          <a:blip r:embed="rId3"/>
+          <a:stretch>
+            <a:fillRect/>
+          </a:stretch>
+        </p:blipFill>
+        <p:spPr>
+          <a:xfrm>
+            <a:off x="7467092" y="1404256"/>
+            <a:ext cx="3948510" cy="5453743"/>
+          </a:xfrm>
+          <a:prstGeom prst="rect">
+            <a:avLst/>
+          </a:prstGeom>
+        </p:spPr>
+      </p:pic>
+      <p:pic>
+        <p:nvPicPr>
+          <p:cNvPr id="7" name="Picture 6">
+            <a:extLst>
+              <a:ext uri="{FF2B5EF4-FFF2-40B4-BE49-F238E27FC236}">
+                <a16:creationId xmlns:a16="http://schemas.microsoft.com/office/drawing/2014/main" id="{8939D030-D2C7-7D46-8EF8-E8F87ABA3EBF}"/>
+              </a:ext>
+            </a:extLst>
+          </p:cNvPr>
+          <p:cNvPicPr>
+            <a:picLocks noChangeAspect="1"/>
+          </p:cNvPicPr>
+          <p:nvPr/>
+        </p:nvPicPr>
+        <p:blipFill>
+          <a:blip r:embed="rId4"/>
+          <a:stretch>
+            <a:fillRect/>
+          </a:stretch>
+        </p:blipFill>
+        <p:spPr>
+          <a:xfrm>
+            <a:off x="952500" y="2999232"/>
+            <a:ext cx="5788152" cy="3858768"/>
+          </a:xfrm>
+          <a:prstGeom prst="rect">
+            <a:avLst/>
+          </a:prstGeom>
+        </p:spPr>
+      </p:pic>
+    </p:spTree>
+    <p:extLst>
+      <p:ext uri="{BB962C8B-B14F-4D97-AF65-F5344CB8AC3E}">
+        <p14:creationId xmlns:p14="http://schemas.microsoft.com/office/powerpoint/2010/main" val="4198227641"/>
+      </p:ext>
+    </p:extLst>
+  </p:cSld>
+  <p:clrMapOvr>
+    <a:masterClrMapping/>
+  </p:clrMapOvr>
+</p:sld>
+</file>
+
+<file path=ppt/slides/slide6.xml><?xml version="1.0" encoding="utf-8"?>
 <p:sld xmlns:a="http://schemas.openxmlformats.org/drawingml/2006/main" xmlns:r="http://schemas.openxmlformats.org/officeDocument/2006/relationships" xmlns:p="http://schemas.openxmlformats.org/presentationml/2006/main">
   <p:cSld>
     <p:spTree>
